--- a/database/slides/HOW_MANY_BRANCHES.pptx
+++ b/database/slides/HOW_MANY_BRANCHES.pptx
@@ -15993,7 +15993,13 @@
       </p:sp>
       <p:sp>
         <p:nvSpPr>
-          <p:cNvPr id="131" name="Google Shape;131;p25"/>
+          <p:cNvPr id="2" name="Google Shape;131;p25">
+            <a:extLst>
+              <a:ext uri="{FF2B5EF4-FFF2-40B4-BE49-F238E27FC236}">
+                <a16:creationId xmlns:a16="http://schemas.microsoft.com/office/drawing/2014/main" id="{03CFA15A-0FE5-0DB4-7AA2-2EE62483C29E}"/>
+              </a:ext>
+            </a:extLst>
+          </p:cNvPr>
           <p:cNvSpPr txBox="1"/>
           <p:nvPr/>
         </p:nvSpPr>
@@ -16016,11 +16022,19 @@
           </a:bodyPr>
           <a:lstStyle/>
           <a:p>
-            <a:pPr>
+            <a:pPr marL="0" lvl="0" indent="0" algn="l" rtl="0">
+              <a:spcBef>
+                <a:spcPts val="0"/>
+              </a:spcBef>
+              <a:spcAft>
+                <a:spcPts val="0"/>
+              </a:spcAft>
               <a:buClr>
                 <a:schemeClr val="lt1"/>
               </a:buClr>
               <a:buSzPts val="3200"/>
+              <a:buFont typeface="Arial"/>
+              <a:buNone/>
             </a:pPr>
             <a:r>
               <a:rPr lang="en-GB" sz="3600" b="1" i="1" dirty="0">
@@ -16034,7 +16048,7 @@
               </a:rPr>
               <a:t>contd..</a:t>
             </a:r>
-            <a:endParaRPr lang="en-GB" sz="3600" dirty="0">
+            <a:endParaRPr sz="3600" dirty="0">
               <a:latin typeface="Calibri"/>
               <a:ea typeface="Calibri"/>
               <a:cs typeface="Calibri"/>
@@ -16419,10 +16433,10 @@
       </p:sp>
       <p:sp>
         <p:nvSpPr>
-          <p:cNvPr id="131" name="Google Shape;131;p25">
+          <p:cNvPr id="3" name="Google Shape;131;p25">
             <a:extLst>
               <a:ext uri="{FF2B5EF4-FFF2-40B4-BE49-F238E27FC236}">
-                <a16:creationId xmlns:a16="http://schemas.microsoft.com/office/drawing/2014/main" id="{82FA2DF2-50F8-5C29-1E5E-578EC75D11C4}"/>
+                <a16:creationId xmlns:a16="http://schemas.microsoft.com/office/drawing/2014/main" id="{B9B29ABA-B221-D91F-707C-C88AC37CB321}"/>
               </a:ext>
             </a:extLst>
           </p:cNvPr>
@@ -16448,11 +16462,19 @@
           </a:bodyPr>
           <a:lstStyle/>
           <a:p>
-            <a:pPr>
+            <a:pPr marL="0" lvl="0" indent="0" algn="l" rtl="0">
+              <a:spcBef>
+                <a:spcPts val="0"/>
+              </a:spcBef>
+              <a:spcAft>
+                <a:spcPts val="0"/>
+              </a:spcAft>
               <a:buClr>
                 <a:schemeClr val="lt1"/>
               </a:buClr>
               <a:buSzPts val="3200"/>
+              <a:buFont typeface="Arial"/>
+              <a:buNone/>
             </a:pPr>
             <a:r>
               <a:rPr lang="en-GB" sz="3600" b="1" i="1" dirty="0">
@@ -16466,7 +16488,7 @@
               </a:rPr>
               <a:t>contd..</a:t>
             </a:r>
-            <a:endParaRPr lang="en-GB" sz="3600" dirty="0">
+            <a:endParaRPr sz="3600" dirty="0">
               <a:latin typeface="Calibri"/>
               <a:ea typeface="Calibri"/>
               <a:cs typeface="Calibri"/>

--- a/database/slides/HOW_MANY_BRANCHES.pptx
+++ b/database/slides/HOW_MANY_BRANCHES.pptx
@@ -831,13 +831,7 @@
   <p:cSld>
     <p:spTree>
       <p:nvGrpSpPr>
-        <p:cNvPr id="1" name="Shape 125">
-          <a:extLst>
-            <a:ext uri="{FF2B5EF4-FFF2-40B4-BE49-F238E27FC236}">
-              <a16:creationId xmlns:a16="http://schemas.microsoft.com/office/drawing/2014/main" id="{27980EA0-E1D9-4664-E795-3E4849DB172D}"/>
-            </a:ext>
-          </a:extLst>
-        </p:cNvPr>
+        <p:cNvPr id="1" name="Shape 125"/>
         <p:cNvGrpSpPr/>
         <p:nvPr/>
       </p:nvGrpSpPr>
@@ -851,13 +845,7 @@
       </p:grpSpPr>
       <p:sp>
         <p:nvSpPr>
-          <p:cNvPr id="126" name="Google Shape;126;g24f3f32051f_0_87:notes">
-            <a:extLst>
-              <a:ext uri="{FF2B5EF4-FFF2-40B4-BE49-F238E27FC236}">
-                <a16:creationId xmlns:a16="http://schemas.microsoft.com/office/drawing/2014/main" id="{F84B9FD2-F658-5E58-C35C-6460E33C769A}"/>
-              </a:ext>
-            </a:extLst>
-          </p:cNvPr>
+          <p:cNvPr id="126" name="Google Shape;126;g24f3f32051f_0_87:notes"/>
           <p:cNvSpPr txBox="1">
             <a:spLocks noGrp="1"/>
           </p:cNvSpPr>
@@ -895,13 +883,7 @@
       </p:sp>
       <p:sp>
         <p:nvSpPr>
-          <p:cNvPr id="127" name="Google Shape;127;g24f3f32051f_0_87:notes">
-            <a:extLst>
-              <a:ext uri="{FF2B5EF4-FFF2-40B4-BE49-F238E27FC236}">
-                <a16:creationId xmlns:a16="http://schemas.microsoft.com/office/drawing/2014/main" id="{CF4FDA70-8F9D-30B9-F96C-D7AA1D9502C0}"/>
-              </a:ext>
-            </a:extLst>
-          </p:cNvPr>
+          <p:cNvPr id="127" name="Google Shape;127;g24f3f32051f_0_87:notes"/>
           <p:cNvSpPr>
             <a:spLocks noGrp="1" noRot="1" noChangeAspect="1"/>
           </p:cNvSpPr>
@@ -943,7 +925,7 @@
     </p:spTree>
     <p:extLst>
       <p:ext uri="{BB962C8B-B14F-4D97-AF65-F5344CB8AC3E}">
-        <p14:creationId xmlns:p14="http://schemas.microsoft.com/office/powerpoint/2010/main" val="3684317534"/>
+        <p14:creationId xmlns:p14="http://schemas.microsoft.com/office/powerpoint/2010/main" val="2891863820"/>
       </p:ext>
     </p:extLst>
   </p:cSld>
@@ -958,13 +940,7 @@
   <p:cSld>
     <p:spTree>
       <p:nvGrpSpPr>
-        <p:cNvPr id="1" name="Shape 125">
-          <a:extLst>
-            <a:ext uri="{FF2B5EF4-FFF2-40B4-BE49-F238E27FC236}">
-              <a16:creationId xmlns:a16="http://schemas.microsoft.com/office/drawing/2014/main" id="{9F0563D3-48FF-913B-A012-86358F7F1376}"/>
-            </a:ext>
-          </a:extLst>
-        </p:cNvPr>
+        <p:cNvPr id="1" name="Shape 125"/>
         <p:cNvGrpSpPr/>
         <p:nvPr/>
       </p:nvGrpSpPr>
@@ -978,13 +954,7 @@
       </p:grpSpPr>
       <p:sp>
         <p:nvSpPr>
-          <p:cNvPr id="126" name="Google Shape;126;g24f3f32051f_0_87:notes">
-            <a:extLst>
-              <a:ext uri="{FF2B5EF4-FFF2-40B4-BE49-F238E27FC236}">
-                <a16:creationId xmlns:a16="http://schemas.microsoft.com/office/drawing/2014/main" id="{82375278-FA2A-7C4D-B1EA-0699F67601C9}"/>
-              </a:ext>
-            </a:extLst>
-          </p:cNvPr>
+          <p:cNvPr id="126" name="Google Shape;126;g24f3f32051f_0_87:notes"/>
           <p:cNvSpPr txBox="1">
             <a:spLocks noGrp="1"/>
           </p:cNvSpPr>
@@ -1022,13 +992,7 @@
       </p:sp>
       <p:sp>
         <p:nvSpPr>
-          <p:cNvPr id="127" name="Google Shape;127;g24f3f32051f_0_87:notes">
-            <a:extLst>
-              <a:ext uri="{FF2B5EF4-FFF2-40B4-BE49-F238E27FC236}">
-                <a16:creationId xmlns:a16="http://schemas.microsoft.com/office/drawing/2014/main" id="{9686A2B8-F333-884A-569E-186DAC6E81BF}"/>
-              </a:ext>
-            </a:extLst>
-          </p:cNvPr>
+          <p:cNvPr id="127" name="Google Shape;127;g24f3f32051f_0_87:notes"/>
           <p:cNvSpPr>
             <a:spLocks noGrp="1" noRot="1" noChangeAspect="1"/>
           </p:cNvSpPr>
@@ -1070,7 +1034,7 @@
     </p:spTree>
     <p:extLst>
       <p:ext uri="{BB962C8B-B14F-4D97-AF65-F5344CB8AC3E}">
-        <p14:creationId xmlns:p14="http://schemas.microsoft.com/office/powerpoint/2010/main" val="3136596068"/>
+        <p14:creationId xmlns:p14="http://schemas.microsoft.com/office/powerpoint/2010/main" val="250333497"/>
       </p:ext>
     </p:extLst>
   </p:cSld>
@@ -15770,16 +15734,20 @@
               </a:rPr>
               <a:t>How many branches still cling to the vine,</a:t>
             </a:r>
-            <a:br>
-              <a:rPr lang="en-GB" sz="3600" b="1" dirty="0">
-                <a:solidFill>
-                  <a:schemeClr val="bg1"/>
-                </a:solidFill>
-                <a:latin typeface="Calibri" panose="020F0502020204030204" pitchFamily="34" charset="0"/>
-                <a:ea typeface="Calibri" panose="020F0502020204030204" pitchFamily="34" charset="0"/>
-                <a:cs typeface="Calibri" panose="020F0502020204030204" pitchFamily="34" charset="0"/>
-              </a:rPr>
-            </a:br>
+          </a:p>
+          <a:p>
+            <a:pPr marL="114300" indent="0">
+              <a:lnSpc>
+                <a:spcPct val="100000"/>
+              </a:lnSpc>
+              <a:spcBef>
+                <a:spcPct val="0"/>
+              </a:spcBef>
+              <a:spcAft>
+                <a:spcPct val="0"/>
+              </a:spcAft>
+              <a:buNone/>
+            </a:pPr>
             <a:r>
               <a:rPr lang="en-GB" sz="3600" b="1" dirty="0">
                 <a:solidFill>
@@ -15789,7 +15757,7 @@
                 <a:ea typeface="Calibri" panose="020F0502020204030204" pitchFamily="34" charset="0"/>
                 <a:cs typeface="Calibri" panose="020F0502020204030204" pitchFamily="34" charset="0"/>
               </a:rPr>
-              <a:t>Without their share of its life?</a:t>
+              <a:t>without their share of its life?</a:t>
             </a:r>
           </a:p>
           <a:p>
@@ -15889,7 +15857,7 @@
                 <a:ea typeface="Calibri" panose="020F0502020204030204" pitchFamily="34" charset="0"/>
                 <a:cs typeface="Calibri" panose="020F0502020204030204" pitchFamily="34" charset="0"/>
               </a:rPr>
-              <a:t>Until we all cease our strife.</a:t>
+              <a:t>until we all cease our strife.</a:t>
             </a:r>
           </a:p>
           <a:p>
@@ -15936,7 +15904,7 @@
                 <a:ea typeface="Calibri" panose="020F0502020204030204" pitchFamily="34" charset="0"/>
                 <a:cs typeface="Calibri" panose="020F0502020204030204" pitchFamily="34" charset="0"/>
               </a:rPr>
-              <a:t>Our lives destroyed by sin, </a:t>
+              <a:t>Our lives destroyed by sin,</a:t>
             </a:r>
           </a:p>
           <a:p>
@@ -15986,7 +15954,7 @@
                 <a:ea typeface="Calibri" panose="020F0502020204030204" pitchFamily="34" charset="0"/>
                 <a:cs typeface="Calibri" panose="020F0502020204030204" pitchFamily="34" charset="0"/>
               </a:rPr>
-              <a:t>Our lives must change from within.</a:t>
+              <a:t>our lives must change from within.</a:t>
             </a:r>
           </a:p>
         </p:txBody>
@@ -15996,7 +15964,7 @@
           <p:cNvPr id="2" name="Google Shape;131;p25">
             <a:extLst>
               <a:ext uri="{FF2B5EF4-FFF2-40B4-BE49-F238E27FC236}">
-                <a16:creationId xmlns:a16="http://schemas.microsoft.com/office/drawing/2014/main" id="{03CFA15A-0FE5-0DB4-7AA2-2EE62483C29E}"/>
+                <a16:creationId xmlns:a16="http://schemas.microsoft.com/office/drawing/2014/main" id="{9C3E2805-8386-E05F-0FB1-1D7DCED0BCFA}"/>
               </a:ext>
             </a:extLst>
           </p:cNvPr>
@@ -16083,13 +16051,7 @@
     </p:bg>
     <p:spTree>
       <p:nvGrpSpPr>
-        <p:cNvPr id="1" name="Shape 128">
-          <a:extLst>
-            <a:ext uri="{FF2B5EF4-FFF2-40B4-BE49-F238E27FC236}">
-              <a16:creationId xmlns:a16="http://schemas.microsoft.com/office/drawing/2014/main" id="{467B8326-2EB9-E030-CD63-52E8683257BC}"/>
-            </a:ext>
-          </a:extLst>
-        </p:cNvPr>
+        <p:cNvPr id="1" name="Shape 128"/>
         <p:cNvGrpSpPr/>
         <p:nvPr/>
       </p:nvGrpSpPr>
@@ -16103,13 +16065,7 @@
       </p:grpSpPr>
       <p:sp>
         <p:nvSpPr>
-          <p:cNvPr id="129" name="Google Shape;129;p25">
-            <a:extLst>
-              <a:ext uri="{FF2B5EF4-FFF2-40B4-BE49-F238E27FC236}">
-                <a16:creationId xmlns:a16="http://schemas.microsoft.com/office/drawing/2014/main" id="{22C89F5B-081D-DBC0-4B93-73E67E474598}"/>
-              </a:ext>
-            </a:extLst>
-          </p:cNvPr>
+          <p:cNvPr id="129" name="Google Shape;129;p25"/>
           <p:cNvSpPr txBox="1">
             <a:spLocks noGrp="1"/>
           </p:cNvSpPr>
@@ -16150,13 +16106,7 @@
       </p:sp>
       <p:sp>
         <p:nvSpPr>
-          <p:cNvPr id="130" name="Google Shape;130;p25">
-            <a:extLst>
-              <a:ext uri="{FF2B5EF4-FFF2-40B4-BE49-F238E27FC236}">
-                <a16:creationId xmlns:a16="http://schemas.microsoft.com/office/drawing/2014/main" id="{49901AA9-FB05-2710-0733-B5359BDB96BC}"/>
-              </a:ext>
-            </a:extLst>
-          </p:cNvPr>
+          <p:cNvPr id="130" name="Google Shape;130;p25"/>
           <p:cNvSpPr txBox="1">
             <a:spLocks noGrp="1"/>
           </p:cNvSpPr>
@@ -16304,7 +16254,7 @@
                 <a:ea typeface="Calibri" panose="020F0502020204030204" pitchFamily="34" charset="0"/>
                 <a:cs typeface="Calibri" panose="020F0502020204030204" pitchFamily="34" charset="0"/>
               </a:rPr>
-              <a:t>and why can’t we learn deep down in our hearts;</a:t>
+              <a:t>and why can’t we learn deep down in our hearts</a:t>
             </a:r>
           </a:p>
           <a:p>
@@ -16321,7 +16271,7 @@
               <a:buNone/>
             </a:pPr>
             <a:r>
-              <a:rPr lang="en-GB" sz="3600" b="1" dirty="0">
+              <a:rPr lang="en-GB" sz="3500" b="1" dirty="0">
                 <a:solidFill>
                   <a:schemeClr val="bg1"/>
                 </a:solidFill>
@@ -16376,7 +16326,7 @@
                 <a:ea typeface="Calibri" panose="020F0502020204030204" pitchFamily="34" charset="0"/>
                 <a:cs typeface="Calibri" panose="020F0502020204030204" pitchFamily="34" charset="0"/>
               </a:rPr>
-              <a:t>Our lives destroyed by sin, </a:t>
+              <a:t>Our lives destroyed by sin,</a:t>
             </a:r>
           </a:p>
           <a:p>
@@ -16426,17 +16376,17 @@
                 <a:ea typeface="Calibri" panose="020F0502020204030204" pitchFamily="34" charset="0"/>
                 <a:cs typeface="Calibri" panose="020F0502020204030204" pitchFamily="34" charset="0"/>
               </a:rPr>
-              <a:t>Our lives must change from within.</a:t>
+              <a:t>our lives must change from within.</a:t>
             </a:r>
           </a:p>
         </p:txBody>
       </p:sp>
       <p:sp>
         <p:nvSpPr>
-          <p:cNvPr id="3" name="Google Shape;131;p25">
+          <p:cNvPr id="2" name="Google Shape;131;p25">
             <a:extLst>
               <a:ext uri="{FF2B5EF4-FFF2-40B4-BE49-F238E27FC236}">
-                <a16:creationId xmlns:a16="http://schemas.microsoft.com/office/drawing/2014/main" id="{B9B29ABA-B221-D91F-707C-C88AC37CB321}"/>
+                <a16:creationId xmlns:a16="http://schemas.microsoft.com/office/drawing/2014/main" id="{9C3E2805-8386-E05F-0FB1-1D7DCED0BCFA}"/>
               </a:ext>
             </a:extLst>
           </p:cNvPr>
@@ -16500,7 +16450,7 @@
     </p:spTree>
     <p:extLst>
       <p:ext uri="{BB962C8B-B14F-4D97-AF65-F5344CB8AC3E}">
-        <p14:creationId xmlns:p14="http://schemas.microsoft.com/office/powerpoint/2010/main" val="3286045950"/>
+        <p14:creationId xmlns:p14="http://schemas.microsoft.com/office/powerpoint/2010/main" val="3019358626"/>
       </p:ext>
     </p:extLst>
   </p:cSld>
@@ -16523,13 +16473,7 @@
     </p:bg>
     <p:spTree>
       <p:nvGrpSpPr>
-        <p:cNvPr id="1" name="Shape 128">
-          <a:extLst>
-            <a:ext uri="{FF2B5EF4-FFF2-40B4-BE49-F238E27FC236}">
-              <a16:creationId xmlns:a16="http://schemas.microsoft.com/office/drawing/2014/main" id="{029EB824-053C-B3B8-C4E1-AA1D82E6AEF7}"/>
-            </a:ext>
-          </a:extLst>
-        </p:cNvPr>
+        <p:cNvPr id="1" name="Shape 128"/>
         <p:cNvGrpSpPr/>
         <p:nvPr/>
       </p:nvGrpSpPr>
@@ -16543,13 +16487,7 @@
       </p:grpSpPr>
       <p:sp>
         <p:nvSpPr>
-          <p:cNvPr id="129" name="Google Shape;129;p25">
-            <a:extLst>
-              <a:ext uri="{FF2B5EF4-FFF2-40B4-BE49-F238E27FC236}">
-                <a16:creationId xmlns:a16="http://schemas.microsoft.com/office/drawing/2014/main" id="{77381B22-1E53-DAF5-7A03-0150521A991C}"/>
-              </a:ext>
-            </a:extLst>
-          </p:cNvPr>
+          <p:cNvPr id="129" name="Google Shape;129;p25"/>
           <p:cNvSpPr txBox="1">
             <a:spLocks noGrp="1"/>
           </p:cNvSpPr>
@@ -16590,13 +16528,7 @@
       </p:sp>
       <p:sp>
         <p:nvSpPr>
-          <p:cNvPr id="130" name="Google Shape;130;p25">
-            <a:extLst>
-              <a:ext uri="{FF2B5EF4-FFF2-40B4-BE49-F238E27FC236}">
-                <a16:creationId xmlns:a16="http://schemas.microsoft.com/office/drawing/2014/main" id="{87EE7635-78C3-5A1B-B876-43D6C202B9BB}"/>
-              </a:ext>
-            </a:extLst>
-          </p:cNvPr>
+          <p:cNvPr id="130" name="Google Shape;130;p25"/>
           <p:cNvSpPr txBox="1">
             <a:spLocks noGrp="1"/>
           </p:cNvSpPr>
@@ -16816,7 +16748,7 @@
                 <a:ea typeface="Calibri" panose="020F0502020204030204" pitchFamily="34" charset="0"/>
                 <a:cs typeface="Calibri" panose="020F0502020204030204" pitchFamily="34" charset="0"/>
               </a:rPr>
-              <a:t>Our lives destroyed by sin, </a:t>
+              <a:t>Our lives destroyed by sin,</a:t>
             </a:r>
           </a:p>
           <a:p>
@@ -16866,17 +16798,17 @@
                 <a:ea typeface="Calibri" panose="020F0502020204030204" pitchFamily="34" charset="0"/>
                 <a:cs typeface="Calibri" panose="020F0502020204030204" pitchFamily="34" charset="0"/>
               </a:rPr>
-              <a:t>Our lives must change from within.</a:t>
+              <a:t>our lives must change from within.</a:t>
             </a:r>
           </a:p>
         </p:txBody>
       </p:sp>
       <p:sp>
         <p:nvSpPr>
-          <p:cNvPr id="131" name="Google Shape;131;p25">
+          <p:cNvPr id="2" name="Google Shape;131;p25">
             <a:extLst>
               <a:ext uri="{FF2B5EF4-FFF2-40B4-BE49-F238E27FC236}">
-                <a16:creationId xmlns:a16="http://schemas.microsoft.com/office/drawing/2014/main" id="{51494E4B-F7B8-8F68-7C51-C5CF8999D1AD}"/>
+                <a16:creationId xmlns:a16="http://schemas.microsoft.com/office/drawing/2014/main" id="{9C3E2805-8386-E05F-0FB1-1D7DCED0BCFA}"/>
               </a:ext>
             </a:extLst>
           </p:cNvPr>
@@ -16902,13 +16834,21 @@
           </a:bodyPr>
           <a:lstStyle/>
           <a:p>
-            <a:pPr>
+            <a:pPr marL="0" lvl="0" indent="0" algn="l" rtl="0">
+              <a:spcBef>
+                <a:spcPts val="0"/>
+              </a:spcBef>
+              <a:spcAft>
+                <a:spcPts val="0"/>
+              </a:spcAft>
               <a:buClr>
                 <a:schemeClr val="lt1"/>
               </a:buClr>
               <a:buSzPts val="3200"/>
+              <a:buFont typeface="Arial"/>
+              <a:buNone/>
             </a:pPr>
-            <a:endParaRPr lang="en-GB" sz="3600" dirty="0">
+            <a:endParaRPr sz="3600" dirty="0">
               <a:latin typeface="Calibri"/>
               <a:ea typeface="Calibri"/>
               <a:cs typeface="Calibri"/>
@@ -16920,7 +16860,7 @@
     </p:spTree>
     <p:extLst>
       <p:ext uri="{BB962C8B-B14F-4D97-AF65-F5344CB8AC3E}">
-        <p14:creationId xmlns:p14="http://schemas.microsoft.com/office/powerpoint/2010/main" val="3536396946"/>
+        <p14:creationId xmlns:p14="http://schemas.microsoft.com/office/powerpoint/2010/main" val="778670317"/>
       </p:ext>
     </p:extLst>
   </p:cSld>
